--- a/SME/Proposal_SME.pptx
+++ b/SME/Proposal_SME.pptx
@@ -127,6 +127,11 @@
       </a:defRPr>
     </a:lvl9pPr>
   </p:defaultTextStyle>
+  <p:extLst>
+    <p:ext uri="{EFAFB233-063F-42B5-8137-9DF3F51BA10A}">
+      <p15:sldGuideLst xmlns:p15="http://schemas.microsoft.com/office/powerpoint/2012/main"/>
+    </p:ext>
+  </p:extLst>
 </p:presentation>
 </file>
 
@@ -277,7 +282,7 @@
           <a:p>
             <a:fld id="{8979787F-FF2D-4B17-9930-E36D83D4B8B1}" type="datetimeFigureOut">
               <a:rPr lang="en-US" smtClean="0"/>
-              <a:t>11/11/2020</a:t>
+              <a:t>11/18/2020</a:t>
             </a:fld>
             <a:endParaRPr lang="en-US"/>
           </a:p>
@@ -475,7 +480,7 @@
           <a:p>
             <a:fld id="{8979787F-FF2D-4B17-9930-E36D83D4B8B1}" type="datetimeFigureOut">
               <a:rPr lang="en-US" smtClean="0"/>
-              <a:t>11/11/2020</a:t>
+              <a:t>11/18/2020</a:t>
             </a:fld>
             <a:endParaRPr lang="en-US"/>
           </a:p>
@@ -683,7 +688,7 @@
           <a:p>
             <a:fld id="{8979787F-FF2D-4B17-9930-E36D83D4B8B1}" type="datetimeFigureOut">
               <a:rPr lang="en-US" smtClean="0"/>
-              <a:t>11/11/2020</a:t>
+              <a:t>11/18/2020</a:t>
             </a:fld>
             <a:endParaRPr lang="en-US"/>
           </a:p>
@@ -881,7 +886,7 @@
           <a:p>
             <a:fld id="{8979787F-FF2D-4B17-9930-E36D83D4B8B1}" type="datetimeFigureOut">
               <a:rPr lang="en-US" smtClean="0"/>
-              <a:t>11/11/2020</a:t>
+              <a:t>11/18/2020</a:t>
             </a:fld>
             <a:endParaRPr lang="en-US"/>
           </a:p>
@@ -1156,7 +1161,7 @@
           <a:p>
             <a:fld id="{8979787F-FF2D-4B17-9930-E36D83D4B8B1}" type="datetimeFigureOut">
               <a:rPr lang="en-US" smtClean="0"/>
-              <a:t>11/11/2020</a:t>
+              <a:t>11/18/2020</a:t>
             </a:fld>
             <a:endParaRPr lang="en-US"/>
           </a:p>
@@ -1421,7 +1426,7 @@
           <a:p>
             <a:fld id="{8979787F-FF2D-4B17-9930-E36D83D4B8B1}" type="datetimeFigureOut">
               <a:rPr lang="en-US" smtClean="0"/>
-              <a:t>11/11/2020</a:t>
+              <a:t>11/18/2020</a:t>
             </a:fld>
             <a:endParaRPr lang="en-US"/>
           </a:p>
@@ -1833,7 +1838,7 @@
           <a:p>
             <a:fld id="{8979787F-FF2D-4B17-9930-E36D83D4B8B1}" type="datetimeFigureOut">
               <a:rPr lang="en-US" smtClean="0"/>
-              <a:t>11/11/2020</a:t>
+              <a:t>11/18/2020</a:t>
             </a:fld>
             <a:endParaRPr lang="en-US"/>
           </a:p>
@@ -1974,7 +1979,7 @@
           <a:p>
             <a:fld id="{8979787F-FF2D-4B17-9930-E36D83D4B8B1}" type="datetimeFigureOut">
               <a:rPr lang="en-US" smtClean="0"/>
-              <a:t>11/11/2020</a:t>
+              <a:t>11/18/2020</a:t>
             </a:fld>
             <a:endParaRPr lang="en-US"/>
           </a:p>
@@ -2087,7 +2092,7 @@
           <a:p>
             <a:fld id="{8979787F-FF2D-4B17-9930-E36D83D4B8B1}" type="datetimeFigureOut">
               <a:rPr lang="en-US" smtClean="0"/>
-              <a:t>11/11/2020</a:t>
+              <a:t>11/18/2020</a:t>
             </a:fld>
             <a:endParaRPr lang="en-US"/>
           </a:p>
@@ -2398,7 +2403,7 @@
           <a:p>
             <a:fld id="{8979787F-FF2D-4B17-9930-E36D83D4B8B1}" type="datetimeFigureOut">
               <a:rPr lang="en-US" smtClean="0"/>
-              <a:t>11/11/2020</a:t>
+              <a:t>11/18/2020</a:t>
             </a:fld>
             <a:endParaRPr lang="en-US"/>
           </a:p>
@@ -2686,7 +2691,7 @@
           <a:p>
             <a:fld id="{8979787F-FF2D-4B17-9930-E36D83D4B8B1}" type="datetimeFigureOut">
               <a:rPr lang="en-US" smtClean="0"/>
-              <a:t>11/11/2020</a:t>
+              <a:t>11/18/2020</a:t>
             </a:fld>
             <a:endParaRPr lang="en-US"/>
           </a:p>
@@ -2927,7 +2932,7 @@
           <a:p>
             <a:fld id="{8979787F-FF2D-4B17-9930-E36D83D4B8B1}" type="datetimeFigureOut">
               <a:rPr lang="en-US" smtClean="0"/>
-              <a:t>11/11/2020</a:t>
+              <a:t>11/18/2020</a:t>
             </a:fld>
             <a:endParaRPr lang="en-US"/>
           </a:p>
@@ -11957,7 +11962,7 @@
                 <a:latin typeface="Times New Roman" panose="02020603050405020304" pitchFamily="18" charset="0"/>
                 <a:cs typeface="Times New Roman" panose="02020603050405020304" pitchFamily="18" charset="0"/>
               </a:rPr>
-              <a:t> Production</a:t>
+              <a:t>Production</a:t>
             </a:r>
           </a:p>
           <a:p>
